--- a/1_Semestre/TI/Arquitetura HLD.pptx
+++ b/1_Semestre/TI/Arquitetura HLD.pptx
@@ -246,7 +246,7 @@
           <a:p>
             <a:fld id="{91A57A16-5CDD-4A00-88A5-981EF2AE274B}" type="datetimeFigureOut">
               <a:rPr lang="pt-BR" smtClean="0"/>
-              <a:t>17/09/2018</a:t>
+              <a:t>20/09/2018</a:t>
             </a:fld>
             <a:endParaRPr lang="pt-BR"/>
           </a:p>
@@ -416,7 +416,7 @@
           <a:p>
             <a:fld id="{91A57A16-5CDD-4A00-88A5-981EF2AE274B}" type="datetimeFigureOut">
               <a:rPr lang="pt-BR" smtClean="0"/>
-              <a:t>17/09/2018</a:t>
+              <a:t>20/09/2018</a:t>
             </a:fld>
             <a:endParaRPr lang="pt-BR"/>
           </a:p>
@@ -596,7 +596,7 @@
           <a:p>
             <a:fld id="{91A57A16-5CDD-4A00-88A5-981EF2AE274B}" type="datetimeFigureOut">
               <a:rPr lang="pt-BR" smtClean="0"/>
-              <a:t>17/09/2018</a:t>
+              <a:t>20/09/2018</a:t>
             </a:fld>
             <a:endParaRPr lang="pt-BR"/>
           </a:p>
@@ -766,7 +766,7 @@
           <a:p>
             <a:fld id="{91A57A16-5CDD-4A00-88A5-981EF2AE274B}" type="datetimeFigureOut">
               <a:rPr lang="pt-BR" smtClean="0"/>
-              <a:t>17/09/2018</a:t>
+              <a:t>20/09/2018</a:t>
             </a:fld>
             <a:endParaRPr lang="pt-BR"/>
           </a:p>
@@ -1012,7 +1012,7 @@
           <a:p>
             <a:fld id="{91A57A16-5CDD-4A00-88A5-981EF2AE274B}" type="datetimeFigureOut">
               <a:rPr lang="pt-BR" smtClean="0"/>
-              <a:t>17/09/2018</a:t>
+              <a:t>20/09/2018</a:t>
             </a:fld>
             <a:endParaRPr lang="pt-BR"/>
           </a:p>
@@ -1244,7 +1244,7 @@
           <a:p>
             <a:fld id="{91A57A16-5CDD-4A00-88A5-981EF2AE274B}" type="datetimeFigureOut">
               <a:rPr lang="pt-BR" smtClean="0"/>
-              <a:t>17/09/2018</a:t>
+              <a:t>20/09/2018</a:t>
             </a:fld>
             <a:endParaRPr lang="pt-BR"/>
           </a:p>
@@ -1611,7 +1611,7 @@
           <a:p>
             <a:fld id="{91A57A16-5CDD-4A00-88A5-981EF2AE274B}" type="datetimeFigureOut">
               <a:rPr lang="pt-BR" smtClean="0"/>
-              <a:t>17/09/2018</a:t>
+              <a:t>20/09/2018</a:t>
             </a:fld>
             <a:endParaRPr lang="pt-BR"/>
           </a:p>
@@ -1729,7 +1729,7 @@
           <a:p>
             <a:fld id="{91A57A16-5CDD-4A00-88A5-981EF2AE274B}" type="datetimeFigureOut">
               <a:rPr lang="pt-BR" smtClean="0"/>
-              <a:t>17/09/2018</a:t>
+              <a:t>20/09/2018</a:t>
             </a:fld>
             <a:endParaRPr lang="pt-BR"/>
           </a:p>
@@ -1824,7 +1824,7 @@
           <a:p>
             <a:fld id="{91A57A16-5CDD-4A00-88A5-981EF2AE274B}" type="datetimeFigureOut">
               <a:rPr lang="pt-BR" smtClean="0"/>
-              <a:t>17/09/2018</a:t>
+              <a:t>20/09/2018</a:t>
             </a:fld>
             <a:endParaRPr lang="pt-BR"/>
           </a:p>
@@ -2101,7 +2101,7 @@
           <a:p>
             <a:fld id="{91A57A16-5CDD-4A00-88A5-981EF2AE274B}" type="datetimeFigureOut">
               <a:rPr lang="pt-BR" smtClean="0"/>
-              <a:t>17/09/2018</a:t>
+              <a:t>20/09/2018</a:t>
             </a:fld>
             <a:endParaRPr lang="pt-BR"/>
           </a:p>
@@ -2354,7 +2354,7 @@
           <a:p>
             <a:fld id="{91A57A16-5CDD-4A00-88A5-981EF2AE274B}" type="datetimeFigureOut">
               <a:rPr lang="pt-BR" smtClean="0"/>
-              <a:t>17/09/2018</a:t>
+              <a:t>20/09/2018</a:t>
             </a:fld>
             <a:endParaRPr lang="pt-BR"/>
           </a:p>
@@ -2567,7 +2567,7 @@
           <a:p>
             <a:fld id="{91A57A16-5CDD-4A00-88A5-981EF2AE274B}" type="datetimeFigureOut">
               <a:rPr lang="pt-BR" smtClean="0"/>
-              <a:t>17/09/2018</a:t>
+              <a:t>20/09/2018</a:t>
             </a:fld>
             <a:endParaRPr lang="pt-BR"/>
           </a:p>
@@ -3134,7 +3134,7 @@
                 <a:latin typeface="Arial" panose="020B0604020202020204" pitchFamily="34" charset="0"/>
                 <a:cs typeface="Arial" panose="020B0604020202020204" pitchFamily="34" charset="0"/>
               </a:rPr>
-              <a:t>Ramon Souza – x	</a:t>
+              <a:t>Ramon Souza – 52089	</a:t>
             </a:r>
             <a:endParaRPr lang="pt-BR" b="1" dirty="0">
               <a:latin typeface="Arial" panose="020B0604020202020204" pitchFamily="34" charset="0"/>
